--- a/generated_user1.pptx
+++ b/generated_user1.pptx
@@ -5,7 +5,7 @@
     <p:sldMasterId id="2147483648" r:id="rId1"/>
   </p:sldMasterIdLst>
   <p:sldIdLst>
-    <p:sldId r:id="rId7" id="256"/>
+    <p:sldId id="256" r:id="rId7"/>
   </p:sldIdLst>
   <p:sldSz cx="9144000" cy="6858000" type="screen4x3"/>
   <p:notesSz cx="6858000" cy="9144000"/>
@@ -3102,11 +3102,7 @@
         <p:txBody>
           <a:bodyPr/>
           <a:lstStyle/>
-          <a:p>
-            <a:r>
-              <a:t>Hello, World!</a:t>
-            </a:r>
-          </a:p>
+          <a:p/>
         </p:txBody>
       </p:sp>
       <p:sp>
@@ -3123,62 +3119,19 @@
         <p:txBody>
           <a:bodyPr/>
           <a:lstStyle/>
-          <a:p>
-            <a:r>
-              <a:t>python-pptx generator was here!</a:t>
-            </a:r>
-          </a:p>
-        </p:txBody>
-      </p:sp>
-      <p:sp>
-        <p:nvSpPr>
-          <p:cNvPr id="4" name="Rounded Rectangle 3"/>
-          <p:cNvSpPr/>
+          <a:p/>
+        </p:txBody>
+      </p:sp>
+      <p:sp>
+        <p:nvSpPr>
+          <p:cNvPr id="4" name="TextBox 3"/>
+          <p:cNvSpPr txBox="1"/>
           <p:nvPr/>
         </p:nvSpPr>
         <p:spPr>
           <a:xfrm>
-            <a:off x="914400" y="914400"/>
-            <a:ext cx="914400" cy="914400"/>
-          </a:xfrm>
-          <a:prstGeom prst="roundRect">
-            <a:avLst/>
-          </a:prstGeom>
-        </p:spPr>
-        <p:style>
-          <a:lnRef idx="1">
-            <a:schemeClr val="accent1"/>
-          </a:lnRef>
-          <a:fillRef idx="3">
-            <a:schemeClr val="accent1"/>
-          </a:fillRef>
-          <a:effectRef idx="2">
-            <a:schemeClr val="accent1"/>
-          </a:effectRef>
-          <a:fontRef idx="minor">
-            <a:schemeClr val="lt1"/>
-          </a:fontRef>
-        </p:style>
-        <p:txBody>
-          <a:bodyPr rtlCol="0" anchor="ctr"/>
-          <a:lstStyle/>
-          <a:p>
-            <a:r>
-              <a:t>ADDED TEXT HERE! :)</a:t>
-            </a:r>
-          </a:p>
-        </p:txBody>
-      </p:sp>
-      <p:sp>
-        <p:nvSpPr>
-          <p:cNvPr id="5" name="TextBox 4"/>
-          <p:cNvSpPr txBox="1"/>
-          <p:nvPr/>
-        </p:nvSpPr>
-        <p:spPr>
-          <a:xfrm>
-            <a:off x="2" y="1"/>
-            <a:ext cx="1" cy="1"/>
+            <a:off x="685800" y="2130425"/>
+            <a:ext cx="7772400" cy="1470025"/>
           </a:xfrm>
           <a:prstGeom prst="rect">
             <a:avLst/>
@@ -3192,7 +3145,35 @@
           <a:lstStyle/>
           <a:p>
             <a:r>
-              <a:t>ADDED TEXT HERE! :)</a:t>
+              <a:t>Hello, World!</a:t>
+            </a:r>
+          </a:p>
+        </p:txBody>
+      </p:sp>
+      <p:sp>
+        <p:nvSpPr>
+          <p:cNvPr id="5" name="TextBox 4"/>
+          <p:cNvSpPr txBox="1"/>
+          <p:nvPr/>
+        </p:nvSpPr>
+        <p:spPr>
+          <a:xfrm>
+            <a:off x="1371600" y="3886200"/>
+            <a:ext cx="6400800" cy="1752600"/>
+          </a:xfrm>
+          <a:prstGeom prst="rect">
+            <a:avLst/>
+          </a:prstGeom>
+          <a:noFill/>
+        </p:spPr>
+        <p:txBody>
+          <a:bodyPr wrap="none">
+            <a:spAutoFit/>
+          </a:bodyPr>
+          <a:lstStyle/>
+          <a:p>
+            <a:r>
+              <a:t>python-pptx generator was here!</a:t>
             </a:r>
           </a:p>
         </p:txBody>
